--- a/Защита/Презентация Microsoft PowerPoint.pptx
+++ b/Защита/Презентация Microsoft PowerPoint.pptx
@@ -14,6 +14,7 @@
     <p:sldId id="264" r:id="rId8"/>
     <p:sldId id="263" r:id="rId9"/>
     <p:sldId id="265" r:id="rId10"/>
+    <p:sldId id="266" r:id="rId11"/>
   </p:sldIdLst>
   <p:sldSz cx="12192000" cy="6858000"/>
   <p:notesSz cx="6858000" cy="9144000"/>
@@ -112,6 +113,11 @@
       </a:defRPr>
     </a:lvl9pPr>
   </p:defaultTextStyle>
+  <p:extLst>
+    <p:ext uri="{EFAFB233-063F-42B5-8137-9DF3F51BA10A}">
+      <p15:sldGuideLst xmlns:p15="http://schemas.microsoft.com/office/powerpoint/2012/main"/>
+    </p:ext>
+  </p:extLst>
 </p:presentation>
 </file>
 
@@ -3467,10 +3473,455 @@
           </a:p>
         </p:txBody>
       </p:sp>
+      <p:sp>
+        <p:nvSpPr>
+          <p:cNvPr id="4" name="TextBox 3">
+            <a:extLst>
+              <a:ext uri="{FF2B5EF4-FFF2-40B4-BE49-F238E27FC236}">
+                <a16:creationId xmlns:a16="http://schemas.microsoft.com/office/drawing/2014/main" id="{A1563FAD-F86B-B7D2-8A59-A424D5F31ADA}"/>
+              </a:ext>
+            </a:extLst>
+          </p:cNvPr>
+          <p:cNvSpPr txBox="1"/>
+          <p:nvPr/>
+        </p:nvSpPr>
+        <p:spPr>
+          <a:xfrm>
+            <a:off x="10086680" y="6259397"/>
+            <a:ext cx="2007281" cy="523220"/>
+          </a:xfrm>
+          <a:prstGeom prst="rect">
+            <a:avLst/>
+          </a:prstGeom>
+          <a:noFill/>
+        </p:spPr>
+        <p:txBody>
+          <a:bodyPr wrap="none" rtlCol="0">
+            <a:spAutoFit/>
+          </a:bodyPr>
+          <a:lstStyle/>
+          <a:p>
+            <a:r>
+              <a:rPr lang="en-US" sz="2800" dirty="0">
+                <a:solidFill>
+                  <a:schemeClr val="accent5">
+                    <a:lumMod val="60000"/>
+                    <a:lumOff val="40000"/>
+                  </a:schemeClr>
+                </a:solidFill>
+                <a:latin typeface="Arial Black" panose="020B0A04020102020204" pitchFamily="34" charset="0"/>
+              </a:rPr>
+              <a:t>Web2bizz</a:t>
+            </a:r>
+            <a:endParaRPr lang="ru-RU" sz="2800" dirty="0">
+              <a:solidFill>
+                <a:schemeClr val="accent5">
+                  <a:lumMod val="60000"/>
+                  <a:lumOff val="40000"/>
+                </a:schemeClr>
+              </a:solidFill>
+              <a:latin typeface="Arial Black" panose="020B0A04020102020204" pitchFamily="34" charset="0"/>
+            </a:endParaRPr>
+          </a:p>
+        </p:txBody>
+      </p:sp>
     </p:spTree>
     <p:extLst>
       <p:ext uri="{BB962C8B-B14F-4D97-AF65-F5344CB8AC3E}">
         <p14:creationId xmlns:p14="http://schemas.microsoft.com/office/powerpoint/2010/main" val="1106090098"/>
+      </p:ext>
+    </p:extLst>
+  </p:cSld>
+  <p:clrMapOvr>
+    <a:masterClrMapping/>
+  </p:clrMapOvr>
+</p:sld>
+</file>
+
+<file path=ppt/slides/slide10.xml><?xml version="1.0" encoding="utf-8"?>
+<p:sld xmlns:a="http://schemas.openxmlformats.org/drawingml/2006/main" xmlns:r="http://schemas.openxmlformats.org/officeDocument/2006/relationships" xmlns:p="http://schemas.openxmlformats.org/presentationml/2006/main">
+  <p:cSld>
+    <p:spTree>
+      <p:nvGrpSpPr>
+        <p:cNvPr id="1" name="">
+          <a:extLst>
+            <a:ext uri="{FF2B5EF4-FFF2-40B4-BE49-F238E27FC236}">
+              <a16:creationId xmlns:a16="http://schemas.microsoft.com/office/drawing/2014/main" id="{74F4D9FF-705A-A6AC-4632-B4FDB0ACC184}"/>
+            </a:ext>
+          </a:extLst>
+        </p:cNvPr>
+        <p:cNvGrpSpPr/>
+        <p:nvPr/>
+      </p:nvGrpSpPr>
+      <p:grpSpPr>
+        <a:xfrm>
+          <a:off x="0" y="0"/>
+          <a:ext cx="0" cy="0"/>
+          <a:chOff x="0" y="0"/>
+          <a:chExt cx="0" cy="0"/>
+        </a:xfrm>
+      </p:grpSpPr>
+      <p:sp>
+        <p:nvSpPr>
+          <p:cNvPr id="2" name="Заголовок 1">
+            <a:extLst>
+              <a:ext uri="{FF2B5EF4-FFF2-40B4-BE49-F238E27FC236}">
+                <a16:creationId xmlns:a16="http://schemas.microsoft.com/office/drawing/2014/main" id="{26587ADD-BA81-0649-059E-F3205BEECF7F}"/>
+              </a:ext>
+            </a:extLst>
+          </p:cNvPr>
+          <p:cNvSpPr>
+            <a:spLocks noGrp="1"/>
+          </p:cNvSpPr>
+          <p:nvPr>
+            <p:ph type="ctrTitle"/>
+          </p:nvPr>
+        </p:nvSpPr>
+        <p:spPr/>
+        <p:txBody>
+          <a:bodyPr>
+            <a:normAutofit/>
+          </a:bodyPr>
+          <a:lstStyle/>
+          <a:p>
+            <a:endParaRPr lang="ru-RU" sz="4000"/>
+          </a:p>
+        </p:txBody>
+      </p:sp>
+      <p:sp>
+        <p:nvSpPr>
+          <p:cNvPr id="3" name="Подзаголовок 2">
+            <a:extLst>
+              <a:ext uri="{FF2B5EF4-FFF2-40B4-BE49-F238E27FC236}">
+                <a16:creationId xmlns:a16="http://schemas.microsoft.com/office/drawing/2014/main" id="{EF61B024-1F27-C3FD-2568-56E57BED5B7F}"/>
+              </a:ext>
+            </a:extLst>
+          </p:cNvPr>
+          <p:cNvSpPr>
+            <a:spLocks noGrp="1"/>
+          </p:cNvSpPr>
+          <p:nvPr>
+            <p:ph type="subTitle" idx="1"/>
+          </p:nvPr>
+        </p:nvSpPr>
+        <p:spPr/>
+        <p:txBody>
+          <a:bodyPr>
+            <a:normAutofit/>
+          </a:bodyPr>
+          <a:lstStyle/>
+          <a:p>
+            <a:endParaRPr lang="ru-RU" sz="4000"/>
+          </a:p>
+        </p:txBody>
+      </p:sp>
+      <p:pic>
+        <p:nvPicPr>
+          <p:cNvPr id="5" name="Рисунок 4">
+            <a:extLst>
+              <a:ext uri="{FF2B5EF4-FFF2-40B4-BE49-F238E27FC236}">
+                <a16:creationId xmlns:a16="http://schemas.microsoft.com/office/drawing/2014/main" id="{3680D1A2-545A-F3D4-9590-5132B86AC7A6}"/>
+              </a:ext>
+            </a:extLst>
+          </p:cNvPr>
+          <p:cNvPicPr>
+            <a:picLocks noChangeAspect="1"/>
+          </p:cNvPicPr>
+          <p:nvPr/>
+        </p:nvPicPr>
+        <p:blipFill>
+          <a:blip r:embed="rId2"/>
+          <a:stretch>
+            <a:fillRect/>
+          </a:stretch>
+        </p:blipFill>
+        <p:spPr>
+          <a:xfrm>
+            <a:off x="-203459" y="-24538"/>
+            <a:ext cx="12395459" cy="6882538"/>
+          </a:xfrm>
+          <a:prstGeom prst="rect">
+            <a:avLst/>
+          </a:prstGeom>
+        </p:spPr>
+      </p:pic>
+      <p:sp>
+        <p:nvSpPr>
+          <p:cNvPr id="6" name="TextBox 5">
+            <a:extLst>
+              <a:ext uri="{FF2B5EF4-FFF2-40B4-BE49-F238E27FC236}">
+                <a16:creationId xmlns:a16="http://schemas.microsoft.com/office/drawing/2014/main" id="{8FBACA06-6876-27DA-EB85-790ED8EA0BAC}"/>
+              </a:ext>
+            </a:extLst>
+          </p:cNvPr>
+          <p:cNvSpPr txBox="1"/>
+          <p:nvPr/>
+        </p:nvSpPr>
+        <p:spPr>
+          <a:xfrm>
+            <a:off x="207832" y="2351782"/>
+            <a:ext cx="11572876" cy="1077218"/>
+          </a:xfrm>
+          <a:prstGeom prst="rect">
+            <a:avLst/>
+          </a:prstGeom>
+          <a:noFill/>
+        </p:spPr>
+        <p:txBody>
+          <a:bodyPr wrap="square" rtlCol="0">
+            <a:spAutoFit/>
+          </a:bodyPr>
+          <a:lstStyle/>
+          <a:p>
+            <a:pPr algn="ctr"/>
+            <a:r>
+              <a:rPr lang="en-US" sz="3200" dirty="0" err="1">
+                <a:solidFill>
+                  <a:schemeClr val="bg1"/>
+                </a:solidFill>
+                <a:latin typeface="Arial Black" panose="020B0A04020102020204" pitchFamily="34" charset="0"/>
+              </a:rPr>
+              <a:t>Github</a:t>
+            </a:r>
+            <a:r>
+              <a:rPr lang="en-US" sz="3200" dirty="0">
+                <a:solidFill>
+                  <a:schemeClr val="bg1"/>
+                </a:solidFill>
+                <a:latin typeface="Arial Black" panose="020B0A04020102020204" pitchFamily="34" charset="0"/>
+              </a:rPr>
+              <a:t>: </a:t>
+            </a:r>
+            <a:r>
+              <a:rPr lang="en-US" sz="3200" dirty="0">
+                <a:solidFill>
+                  <a:schemeClr val="accent5">
+                    <a:lumMod val="60000"/>
+                    <a:lumOff val="40000"/>
+                  </a:schemeClr>
+                </a:solidFill>
+                <a:latin typeface="Arial Black" panose="020B0A04020102020204" pitchFamily="34" charset="0"/>
+                <a:hlinkClick r:id="rId3" tooltip="https://github.com/Web2Bizz/atom-dbro-gateway.git">
+                  <a:extLst>
+                    <a:ext uri="{A12FA001-AC4F-418D-AE19-62706E023703}">
+                      <ahyp:hlinkClr xmlns:ahyp="http://schemas.microsoft.com/office/drawing/2018/hyperlinkcolor" val="tx"/>
+                    </a:ext>
+                  </a:extLst>
+                </a:hlinkClick>
+              </a:rPr>
+              <a:t>https://github.com/Web2Bizz/atom-dbro-gateway.git</a:t>
+            </a:r>
+            <a:endParaRPr lang="ru-RU" sz="3200" dirty="0">
+              <a:solidFill>
+                <a:schemeClr val="accent5">
+                  <a:lumMod val="60000"/>
+                  <a:lumOff val="40000"/>
+                </a:schemeClr>
+              </a:solidFill>
+              <a:latin typeface="Arial Black" panose="020B0A04020102020204" pitchFamily="34" charset="0"/>
+            </a:endParaRPr>
+          </a:p>
+        </p:txBody>
+      </p:sp>
+      <p:sp>
+        <p:nvSpPr>
+          <p:cNvPr id="4" name="TextBox 3">
+            <a:extLst>
+              <a:ext uri="{FF2B5EF4-FFF2-40B4-BE49-F238E27FC236}">
+                <a16:creationId xmlns:a16="http://schemas.microsoft.com/office/drawing/2014/main" id="{EC1EB94F-4B17-2934-796C-B98F92A055A0}"/>
+              </a:ext>
+            </a:extLst>
+          </p:cNvPr>
+          <p:cNvSpPr txBox="1"/>
+          <p:nvPr/>
+        </p:nvSpPr>
+        <p:spPr>
+          <a:xfrm>
+            <a:off x="-1287268" y="3364050"/>
+            <a:ext cx="11870935" cy="584775"/>
+          </a:xfrm>
+          <a:prstGeom prst="rect">
+            <a:avLst/>
+          </a:prstGeom>
+          <a:noFill/>
+        </p:spPr>
+        <p:txBody>
+          <a:bodyPr wrap="square" rtlCol="0">
+            <a:spAutoFit/>
+          </a:bodyPr>
+          <a:lstStyle/>
+          <a:p>
+            <a:pPr algn="ctr"/>
+            <a:r>
+              <a:rPr lang="en-US" sz="3200" dirty="0">
+                <a:solidFill>
+                  <a:schemeClr val="bg1"/>
+                </a:solidFill>
+                <a:latin typeface="Arial Black" panose="020B0A04020102020204" pitchFamily="34" charset="0"/>
+              </a:rPr>
+              <a:t>Website: </a:t>
+            </a:r>
+            <a:r>
+              <a:rPr lang="en-US" sz="3200" dirty="0">
+                <a:solidFill>
+                  <a:schemeClr val="accent5">
+                    <a:lumMod val="60000"/>
+                    <a:lumOff val="40000"/>
+                  </a:schemeClr>
+                </a:solidFill>
+                <a:latin typeface="Arial Black" panose="020B0A04020102020204" pitchFamily="34" charset="0"/>
+                <a:hlinkClick r:id="rId4" tooltip="http://82.202.140.37:3000/">
+                  <a:extLst>
+                    <a:ext uri="{A12FA001-AC4F-418D-AE19-62706E023703}">
+                      <ahyp:hlinkClr xmlns:ahyp="http://schemas.microsoft.com/office/drawing/2018/hyperlinkcolor" val="tx"/>
+                    </a:ext>
+                  </a:extLst>
+                </a:hlinkClick>
+              </a:rPr>
+              <a:t>http://82.202.140.37:3000/</a:t>
+            </a:r>
+            <a:r>
+              <a:rPr lang="en-US" sz="3200" dirty="0">
+                <a:solidFill>
+                  <a:schemeClr val="accent5">
+                    <a:lumMod val="60000"/>
+                    <a:lumOff val="40000"/>
+                  </a:schemeClr>
+                </a:solidFill>
+                <a:latin typeface="Arial Black" panose="020B0A04020102020204" pitchFamily="34" charset="0"/>
+              </a:rPr>
+              <a:t> </a:t>
+            </a:r>
+            <a:endParaRPr lang="ru-RU" sz="3200" dirty="0">
+              <a:solidFill>
+                <a:schemeClr val="accent5">
+                  <a:lumMod val="60000"/>
+                  <a:lumOff val="40000"/>
+                </a:schemeClr>
+              </a:solidFill>
+              <a:latin typeface="Arial Black" panose="020B0A04020102020204" pitchFamily="34" charset="0"/>
+            </a:endParaRPr>
+          </a:p>
+        </p:txBody>
+      </p:sp>
+      <p:sp>
+        <p:nvSpPr>
+          <p:cNvPr id="9" name="TextBox 8">
+            <a:extLst>
+              <a:ext uri="{FF2B5EF4-FFF2-40B4-BE49-F238E27FC236}">
+                <a16:creationId xmlns:a16="http://schemas.microsoft.com/office/drawing/2014/main" id="{1AAABB43-E8A1-8A43-CE1E-807299CBAE07}"/>
+              </a:ext>
+            </a:extLst>
+          </p:cNvPr>
+          <p:cNvSpPr txBox="1"/>
+          <p:nvPr/>
+        </p:nvSpPr>
+        <p:spPr>
+          <a:xfrm>
+            <a:off x="10086680" y="6259397"/>
+            <a:ext cx="2007281" cy="523220"/>
+          </a:xfrm>
+          <a:prstGeom prst="rect">
+            <a:avLst/>
+          </a:prstGeom>
+          <a:noFill/>
+        </p:spPr>
+        <p:txBody>
+          <a:bodyPr wrap="none" rtlCol="0">
+            <a:spAutoFit/>
+          </a:bodyPr>
+          <a:lstStyle/>
+          <a:p>
+            <a:r>
+              <a:rPr lang="en-US" sz="2800" dirty="0">
+                <a:solidFill>
+                  <a:schemeClr val="accent5">
+                    <a:lumMod val="60000"/>
+                    <a:lumOff val="40000"/>
+                  </a:schemeClr>
+                </a:solidFill>
+                <a:latin typeface="Arial Black" panose="020B0A04020102020204" pitchFamily="34" charset="0"/>
+              </a:rPr>
+              <a:t>Web2bizz</a:t>
+            </a:r>
+            <a:endParaRPr lang="ru-RU" sz="2800" dirty="0">
+              <a:solidFill>
+                <a:schemeClr val="accent5">
+                  <a:lumMod val="60000"/>
+                  <a:lumOff val="40000"/>
+                </a:schemeClr>
+              </a:solidFill>
+              <a:latin typeface="Arial Black" panose="020B0A04020102020204" pitchFamily="34" charset="0"/>
+            </a:endParaRPr>
+          </a:p>
+        </p:txBody>
+      </p:sp>
+      <p:sp>
+        <p:nvSpPr>
+          <p:cNvPr id="7" name="TextBox 6">
+            <a:extLst>
+              <a:ext uri="{FF2B5EF4-FFF2-40B4-BE49-F238E27FC236}">
+                <a16:creationId xmlns:a16="http://schemas.microsoft.com/office/drawing/2014/main" id="{AC227E77-FD1A-8819-A57C-AF091F441C92}"/>
+              </a:ext>
+            </a:extLst>
+          </p:cNvPr>
+          <p:cNvSpPr txBox="1"/>
+          <p:nvPr/>
+        </p:nvSpPr>
+        <p:spPr>
+          <a:xfrm>
+            <a:off x="223026" y="4295612"/>
+            <a:ext cx="11870935" cy="584775"/>
+          </a:xfrm>
+          <a:prstGeom prst="rect">
+            <a:avLst/>
+          </a:prstGeom>
+          <a:noFill/>
+        </p:spPr>
+        <p:txBody>
+          <a:bodyPr wrap="square" rtlCol="0">
+            <a:spAutoFit/>
+          </a:bodyPr>
+          <a:lstStyle/>
+          <a:p>
+            <a:pPr algn="ctr"/>
+            <a:r>
+              <a:rPr lang="en-US" sz="3200" dirty="0">
+                <a:solidFill>
+                  <a:schemeClr val="bg1"/>
+                </a:solidFill>
+                <a:latin typeface="Arial Black" panose="020B0A04020102020204" pitchFamily="34" charset="0"/>
+              </a:rPr>
+              <a:t>Moderation: </a:t>
+            </a:r>
+            <a:r>
+              <a:rPr lang="en-US" sz="3200" dirty="0">
+                <a:solidFill>
+                  <a:schemeClr val="accent5">
+                    <a:lumMod val="60000"/>
+                    <a:lumOff val="40000"/>
+                  </a:schemeClr>
+                </a:solidFill>
+                <a:latin typeface="Arial Black" panose="020B0A04020102020204" pitchFamily="34" charset="0"/>
+              </a:rPr>
+              <a:t>http://82.202.140.37:3000/moderator</a:t>
+            </a:r>
+            <a:endParaRPr lang="ru-RU" sz="3200" dirty="0">
+              <a:solidFill>
+                <a:schemeClr val="accent5">
+                  <a:lumMod val="60000"/>
+                  <a:lumOff val="40000"/>
+                </a:schemeClr>
+              </a:solidFill>
+              <a:latin typeface="Arial Black" panose="020B0A04020102020204" pitchFamily="34" charset="0"/>
+            </a:endParaRPr>
+          </a:p>
+        </p:txBody>
+      </p:sp>
+    </p:spTree>
+    <p:extLst>
+      <p:ext uri="{BB962C8B-B14F-4D97-AF65-F5344CB8AC3E}">
+        <p14:creationId xmlns:p14="http://schemas.microsoft.com/office/powerpoint/2010/main" val="2307321235"/>
       </p:ext>
     </p:extLst>
   </p:cSld>
@@ -3793,6 +4244,58 @@
             <a:endParaRPr lang="ru-RU" sz="2400" dirty="0">
               <a:solidFill>
                 <a:schemeClr val="bg1"/>
+              </a:solidFill>
+              <a:latin typeface="Arial Black" panose="020B0A04020102020204" pitchFamily="34" charset="0"/>
+            </a:endParaRPr>
+          </a:p>
+        </p:txBody>
+      </p:sp>
+      <p:sp>
+        <p:nvSpPr>
+          <p:cNvPr id="4" name="TextBox 3">
+            <a:extLst>
+              <a:ext uri="{FF2B5EF4-FFF2-40B4-BE49-F238E27FC236}">
+                <a16:creationId xmlns:a16="http://schemas.microsoft.com/office/drawing/2014/main" id="{38C4FD21-C4B1-60AC-623A-64D2D07E1A82}"/>
+              </a:ext>
+            </a:extLst>
+          </p:cNvPr>
+          <p:cNvSpPr txBox="1"/>
+          <p:nvPr/>
+        </p:nvSpPr>
+        <p:spPr>
+          <a:xfrm>
+            <a:off x="10086680" y="6259397"/>
+            <a:ext cx="2007281" cy="523220"/>
+          </a:xfrm>
+          <a:prstGeom prst="rect">
+            <a:avLst/>
+          </a:prstGeom>
+          <a:noFill/>
+        </p:spPr>
+        <p:txBody>
+          <a:bodyPr wrap="none" rtlCol="0">
+            <a:spAutoFit/>
+          </a:bodyPr>
+          <a:lstStyle/>
+          <a:p>
+            <a:r>
+              <a:rPr lang="en-US" sz="2800" dirty="0">
+                <a:solidFill>
+                  <a:schemeClr val="accent5">
+                    <a:lumMod val="60000"/>
+                    <a:lumOff val="40000"/>
+                  </a:schemeClr>
+                </a:solidFill>
+                <a:latin typeface="Arial Black" panose="020B0A04020102020204" pitchFamily="34" charset="0"/>
+              </a:rPr>
+              <a:t>Web2bizz</a:t>
+            </a:r>
+            <a:endParaRPr lang="ru-RU" sz="2800" dirty="0">
+              <a:solidFill>
+                <a:schemeClr val="accent5">
+                  <a:lumMod val="60000"/>
+                  <a:lumOff val="40000"/>
+                </a:schemeClr>
               </a:solidFill>
               <a:latin typeface="Arial Black" panose="020B0A04020102020204" pitchFamily="34" charset="0"/>
             </a:endParaRPr>
@@ -3994,6 +4497,58 @@
           </a:effectLst>
         </p:spPr>
       </p:pic>
+      <p:sp>
+        <p:nvSpPr>
+          <p:cNvPr id="4" name="TextBox 3">
+            <a:extLst>
+              <a:ext uri="{FF2B5EF4-FFF2-40B4-BE49-F238E27FC236}">
+                <a16:creationId xmlns:a16="http://schemas.microsoft.com/office/drawing/2014/main" id="{60156A2D-A6C0-970E-D6DA-C4F3B7E103F5}"/>
+              </a:ext>
+            </a:extLst>
+          </p:cNvPr>
+          <p:cNvSpPr txBox="1"/>
+          <p:nvPr/>
+        </p:nvSpPr>
+        <p:spPr>
+          <a:xfrm>
+            <a:off x="10086680" y="6259397"/>
+            <a:ext cx="2007281" cy="523220"/>
+          </a:xfrm>
+          <a:prstGeom prst="rect">
+            <a:avLst/>
+          </a:prstGeom>
+          <a:noFill/>
+        </p:spPr>
+        <p:txBody>
+          <a:bodyPr wrap="none" rtlCol="0">
+            <a:spAutoFit/>
+          </a:bodyPr>
+          <a:lstStyle/>
+          <a:p>
+            <a:r>
+              <a:rPr lang="en-US" sz="2800" dirty="0">
+                <a:solidFill>
+                  <a:schemeClr val="accent5">
+                    <a:lumMod val="60000"/>
+                    <a:lumOff val="40000"/>
+                  </a:schemeClr>
+                </a:solidFill>
+                <a:latin typeface="Arial Black" panose="020B0A04020102020204" pitchFamily="34" charset="0"/>
+              </a:rPr>
+              <a:t>Web2bizz</a:t>
+            </a:r>
+            <a:endParaRPr lang="ru-RU" sz="2800" dirty="0">
+              <a:solidFill>
+                <a:schemeClr val="accent5">
+                  <a:lumMod val="60000"/>
+                  <a:lumOff val="40000"/>
+                </a:schemeClr>
+              </a:solidFill>
+              <a:latin typeface="Arial Black" panose="020B0A04020102020204" pitchFamily="34" charset="0"/>
+            </a:endParaRPr>
+          </a:p>
+        </p:txBody>
+      </p:sp>
     </p:spTree>
     <p:extLst>
       <p:ext uri="{BB962C8B-B14F-4D97-AF65-F5344CB8AC3E}">
@@ -4310,6 +4865,58 @@
           </a:p>
         </p:txBody>
       </p:sp>
+      <p:sp>
+        <p:nvSpPr>
+          <p:cNvPr id="6" name="TextBox 5">
+            <a:extLst>
+              <a:ext uri="{FF2B5EF4-FFF2-40B4-BE49-F238E27FC236}">
+                <a16:creationId xmlns:a16="http://schemas.microsoft.com/office/drawing/2014/main" id="{6CF4AFF7-2AB7-D260-ECEF-23261C58B715}"/>
+              </a:ext>
+            </a:extLst>
+          </p:cNvPr>
+          <p:cNvSpPr txBox="1"/>
+          <p:nvPr/>
+        </p:nvSpPr>
+        <p:spPr>
+          <a:xfrm>
+            <a:off x="10086680" y="6259397"/>
+            <a:ext cx="2007281" cy="523220"/>
+          </a:xfrm>
+          <a:prstGeom prst="rect">
+            <a:avLst/>
+          </a:prstGeom>
+          <a:noFill/>
+        </p:spPr>
+        <p:txBody>
+          <a:bodyPr wrap="none" rtlCol="0">
+            <a:spAutoFit/>
+          </a:bodyPr>
+          <a:lstStyle/>
+          <a:p>
+            <a:r>
+              <a:rPr lang="en-US" sz="2800" dirty="0">
+                <a:solidFill>
+                  <a:schemeClr val="accent5">
+                    <a:lumMod val="60000"/>
+                    <a:lumOff val="40000"/>
+                  </a:schemeClr>
+                </a:solidFill>
+                <a:latin typeface="Arial Black" panose="020B0A04020102020204" pitchFamily="34" charset="0"/>
+              </a:rPr>
+              <a:t>Web2bizz</a:t>
+            </a:r>
+            <a:endParaRPr lang="ru-RU" sz="2800" dirty="0">
+              <a:solidFill>
+                <a:schemeClr val="accent5">
+                  <a:lumMod val="60000"/>
+                  <a:lumOff val="40000"/>
+                </a:schemeClr>
+              </a:solidFill>
+              <a:latin typeface="Arial Black" panose="020B0A04020102020204" pitchFamily="34" charset="0"/>
+            </a:endParaRPr>
+          </a:p>
+        </p:txBody>
+      </p:sp>
     </p:spTree>
     <p:extLst>
       <p:ext uri="{BB962C8B-B14F-4D97-AF65-F5344CB8AC3E}">
@@ -4417,6 +5024,58 @@
           </a:p>
         </p:txBody>
       </p:sp>
+      <p:sp>
+        <p:nvSpPr>
+          <p:cNvPr id="2" name="TextBox 1">
+            <a:extLst>
+              <a:ext uri="{FF2B5EF4-FFF2-40B4-BE49-F238E27FC236}">
+                <a16:creationId xmlns:a16="http://schemas.microsoft.com/office/drawing/2014/main" id="{5FA99D80-68D7-0F16-DD3C-639C0EB44619}"/>
+              </a:ext>
+            </a:extLst>
+          </p:cNvPr>
+          <p:cNvSpPr txBox="1"/>
+          <p:nvPr/>
+        </p:nvSpPr>
+        <p:spPr>
+          <a:xfrm>
+            <a:off x="10086680" y="6259397"/>
+            <a:ext cx="2007281" cy="523220"/>
+          </a:xfrm>
+          <a:prstGeom prst="rect">
+            <a:avLst/>
+          </a:prstGeom>
+          <a:noFill/>
+        </p:spPr>
+        <p:txBody>
+          <a:bodyPr wrap="none" rtlCol="0">
+            <a:spAutoFit/>
+          </a:bodyPr>
+          <a:lstStyle/>
+          <a:p>
+            <a:r>
+              <a:rPr lang="en-US" sz="2800" dirty="0">
+                <a:solidFill>
+                  <a:schemeClr val="accent5">
+                    <a:lumMod val="60000"/>
+                    <a:lumOff val="40000"/>
+                  </a:schemeClr>
+                </a:solidFill>
+                <a:latin typeface="Arial Black" panose="020B0A04020102020204" pitchFamily="34" charset="0"/>
+              </a:rPr>
+              <a:t>Web2bizz</a:t>
+            </a:r>
+            <a:endParaRPr lang="ru-RU" sz="2800" dirty="0">
+              <a:solidFill>
+                <a:schemeClr val="accent5">
+                  <a:lumMod val="60000"/>
+                  <a:lumOff val="40000"/>
+                </a:schemeClr>
+              </a:solidFill>
+              <a:latin typeface="Arial Black" panose="020B0A04020102020204" pitchFamily="34" charset="0"/>
+            </a:endParaRPr>
+          </a:p>
+        </p:txBody>
+      </p:sp>
     </p:spTree>
     <p:extLst>
       <p:ext uri="{BB962C8B-B14F-4D97-AF65-F5344CB8AC3E}">
@@ -4960,6 +5619,58 @@
             <a:endParaRPr lang="ru-RU" sz="2400" dirty="0">
               <a:solidFill>
                 <a:schemeClr val="bg1"/>
+              </a:solidFill>
+              <a:latin typeface="Arial Black" panose="020B0A04020102020204" pitchFamily="34" charset="0"/>
+            </a:endParaRPr>
+          </a:p>
+        </p:txBody>
+      </p:sp>
+      <p:sp>
+        <p:nvSpPr>
+          <p:cNvPr id="8" name="TextBox 7">
+            <a:extLst>
+              <a:ext uri="{FF2B5EF4-FFF2-40B4-BE49-F238E27FC236}">
+                <a16:creationId xmlns:a16="http://schemas.microsoft.com/office/drawing/2014/main" id="{524E618A-F117-260D-1C25-749EF57119BA}"/>
+              </a:ext>
+            </a:extLst>
+          </p:cNvPr>
+          <p:cNvSpPr txBox="1"/>
+          <p:nvPr/>
+        </p:nvSpPr>
+        <p:spPr>
+          <a:xfrm>
+            <a:off x="10086680" y="6259397"/>
+            <a:ext cx="2007281" cy="523220"/>
+          </a:xfrm>
+          <a:prstGeom prst="rect">
+            <a:avLst/>
+          </a:prstGeom>
+          <a:noFill/>
+        </p:spPr>
+        <p:txBody>
+          <a:bodyPr wrap="none" rtlCol="0">
+            <a:spAutoFit/>
+          </a:bodyPr>
+          <a:lstStyle/>
+          <a:p>
+            <a:r>
+              <a:rPr lang="en-US" sz="2800" dirty="0">
+                <a:solidFill>
+                  <a:schemeClr val="accent5">
+                    <a:lumMod val="60000"/>
+                    <a:lumOff val="40000"/>
+                  </a:schemeClr>
+                </a:solidFill>
+                <a:latin typeface="Arial Black" panose="020B0A04020102020204" pitchFamily="34" charset="0"/>
+              </a:rPr>
+              <a:t>Web2bizz</a:t>
+            </a:r>
+            <a:endParaRPr lang="ru-RU" sz="2800" dirty="0">
+              <a:solidFill>
+                <a:schemeClr val="accent5">
+                  <a:lumMod val="60000"/>
+                  <a:lumOff val="40000"/>
+                </a:schemeClr>
               </a:solidFill>
               <a:latin typeface="Arial Black" panose="020B0A04020102020204" pitchFamily="34" charset="0"/>
             </a:endParaRPr>
@@ -5073,6 +5784,58 @@
           </a:p>
         </p:txBody>
       </p:sp>
+      <p:sp>
+        <p:nvSpPr>
+          <p:cNvPr id="2" name="TextBox 1">
+            <a:extLst>
+              <a:ext uri="{FF2B5EF4-FFF2-40B4-BE49-F238E27FC236}">
+                <a16:creationId xmlns:a16="http://schemas.microsoft.com/office/drawing/2014/main" id="{B8726F5D-3FF5-337F-B1F8-C2CD861721B6}"/>
+              </a:ext>
+            </a:extLst>
+          </p:cNvPr>
+          <p:cNvSpPr txBox="1"/>
+          <p:nvPr/>
+        </p:nvSpPr>
+        <p:spPr>
+          <a:xfrm>
+            <a:off x="10086680" y="6259397"/>
+            <a:ext cx="2007281" cy="523220"/>
+          </a:xfrm>
+          <a:prstGeom prst="rect">
+            <a:avLst/>
+          </a:prstGeom>
+          <a:noFill/>
+        </p:spPr>
+        <p:txBody>
+          <a:bodyPr wrap="none" rtlCol="0">
+            <a:spAutoFit/>
+          </a:bodyPr>
+          <a:lstStyle/>
+          <a:p>
+            <a:r>
+              <a:rPr lang="en-US" sz="2800" dirty="0">
+                <a:solidFill>
+                  <a:schemeClr val="accent5">
+                    <a:lumMod val="60000"/>
+                    <a:lumOff val="40000"/>
+                  </a:schemeClr>
+                </a:solidFill>
+                <a:latin typeface="Arial Black" panose="020B0A04020102020204" pitchFamily="34" charset="0"/>
+              </a:rPr>
+              <a:t>Web2bizz</a:t>
+            </a:r>
+            <a:endParaRPr lang="ru-RU" sz="2800" dirty="0">
+              <a:solidFill>
+                <a:schemeClr val="accent5">
+                  <a:lumMod val="60000"/>
+                  <a:lumOff val="40000"/>
+                </a:schemeClr>
+              </a:solidFill>
+              <a:latin typeface="Arial Black" panose="020B0A04020102020204" pitchFamily="34" charset="0"/>
+            </a:endParaRPr>
+          </a:p>
+        </p:txBody>
+      </p:sp>
     </p:spTree>
     <p:extLst>
       <p:ext uri="{BB962C8B-B14F-4D97-AF65-F5344CB8AC3E}">
@@ -5353,6 +6116,58 @@
           </a:p>
         </p:txBody>
       </p:sp>
+      <p:sp>
+        <p:nvSpPr>
+          <p:cNvPr id="4" name="TextBox 3">
+            <a:extLst>
+              <a:ext uri="{FF2B5EF4-FFF2-40B4-BE49-F238E27FC236}">
+                <a16:creationId xmlns:a16="http://schemas.microsoft.com/office/drawing/2014/main" id="{C11F8F99-2F41-7BCD-1C58-A1F4AEF03573}"/>
+              </a:ext>
+            </a:extLst>
+          </p:cNvPr>
+          <p:cNvSpPr txBox="1"/>
+          <p:nvPr/>
+        </p:nvSpPr>
+        <p:spPr>
+          <a:xfrm>
+            <a:off x="10086680" y="6259397"/>
+            <a:ext cx="2007281" cy="523220"/>
+          </a:xfrm>
+          <a:prstGeom prst="rect">
+            <a:avLst/>
+          </a:prstGeom>
+          <a:noFill/>
+        </p:spPr>
+        <p:txBody>
+          <a:bodyPr wrap="none" rtlCol="0">
+            <a:spAutoFit/>
+          </a:bodyPr>
+          <a:lstStyle/>
+          <a:p>
+            <a:r>
+              <a:rPr lang="en-US" sz="2800" dirty="0">
+                <a:solidFill>
+                  <a:schemeClr val="accent5">
+                    <a:lumMod val="60000"/>
+                    <a:lumOff val="40000"/>
+                  </a:schemeClr>
+                </a:solidFill>
+                <a:latin typeface="Arial Black" panose="020B0A04020102020204" pitchFamily="34" charset="0"/>
+              </a:rPr>
+              <a:t>Web2bizz</a:t>
+            </a:r>
+            <a:endParaRPr lang="ru-RU" sz="2800" dirty="0">
+              <a:solidFill>
+                <a:schemeClr val="accent5">
+                  <a:lumMod val="60000"/>
+                  <a:lumOff val="40000"/>
+                </a:schemeClr>
+              </a:solidFill>
+              <a:latin typeface="Arial Black" panose="020B0A04020102020204" pitchFamily="34" charset="0"/>
+            </a:endParaRPr>
+          </a:p>
+        </p:txBody>
+      </p:sp>
     </p:spTree>
     <p:extLst>
       <p:ext uri="{BB962C8B-B14F-4D97-AF65-F5344CB8AC3E}">
@@ -5507,6 +6322,58 @@
               </a:rPr>
               <a:t>СПАСИБО ЗА ВНИМАНИЕ!</a:t>
             </a:r>
+          </a:p>
+        </p:txBody>
+      </p:sp>
+      <p:sp>
+        <p:nvSpPr>
+          <p:cNvPr id="4" name="TextBox 3">
+            <a:extLst>
+              <a:ext uri="{FF2B5EF4-FFF2-40B4-BE49-F238E27FC236}">
+                <a16:creationId xmlns:a16="http://schemas.microsoft.com/office/drawing/2014/main" id="{BBA2B26D-7D3F-AD4B-4DD4-A71A38337C20}"/>
+              </a:ext>
+            </a:extLst>
+          </p:cNvPr>
+          <p:cNvSpPr txBox="1"/>
+          <p:nvPr/>
+        </p:nvSpPr>
+        <p:spPr>
+          <a:xfrm>
+            <a:off x="10086680" y="6259397"/>
+            <a:ext cx="2007281" cy="523220"/>
+          </a:xfrm>
+          <a:prstGeom prst="rect">
+            <a:avLst/>
+          </a:prstGeom>
+          <a:noFill/>
+        </p:spPr>
+        <p:txBody>
+          <a:bodyPr wrap="none" rtlCol="0">
+            <a:spAutoFit/>
+          </a:bodyPr>
+          <a:lstStyle/>
+          <a:p>
+            <a:r>
+              <a:rPr lang="en-US" sz="2800" dirty="0">
+                <a:solidFill>
+                  <a:schemeClr val="accent5">
+                    <a:lumMod val="60000"/>
+                    <a:lumOff val="40000"/>
+                  </a:schemeClr>
+                </a:solidFill>
+                <a:latin typeface="Arial Black" panose="020B0A04020102020204" pitchFamily="34" charset="0"/>
+              </a:rPr>
+              <a:t>Web2bizz</a:t>
+            </a:r>
+            <a:endParaRPr lang="ru-RU" sz="2800" dirty="0">
+              <a:solidFill>
+                <a:schemeClr val="accent5">
+                  <a:lumMod val="60000"/>
+                  <a:lumOff val="40000"/>
+                </a:schemeClr>
+              </a:solidFill>
+              <a:latin typeface="Arial Black" panose="020B0A04020102020204" pitchFamily="34" charset="0"/>
+            </a:endParaRPr>
           </a:p>
         </p:txBody>
       </p:sp>
